--- a/Aidez à Mac Gyver à s’échapper!!!.pptx
+++ b/Aidez à Mac Gyver à s’échapper!!!.pptx
@@ -310,7 +310,7 @@
           <a:p>
             <a:fld id="{4E650DCA-8FA3-4E11-9C14-92F8C62278D3}" type="datetimeFigureOut">
               <a:rPr lang="fr-FR" smtClean="0"/>
-              <a:t>09/01/2019</a:t>
+              <a:t>15/01/2019</a:t>
             </a:fld>
             <a:endParaRPr lang="fr-FR"/>
           </a:p>
@@ -585,7 +585,7 @@
           <a:p>
             <a:fld id="{4E650DCA-8FA3-4E11-9C14-92F8C62278D3}" type="datetimeFigureOut">
               <a:rPr lang="fr-FR" smtClean="0"/>
-              <a:t>09/01/2019</a:t>
+              <a:t>15/01/2019</a:t>
             </a:fld>
             <a:endParaRPr lang="fr-FR"/>
           </a:p>
@@ -779,7 +779,7 @@
           <a:p>
             <a:fld id="{4E650DCA-8FA3-4E11-9C14-92F8C62278D3}" type="datetimeFigureOut">
               <a:rPr lang="fr-FR" smtClean="0"/>
-              <a:t>09/01/2019</a:t>
+              <a:t>15/01/2019</a:t>
             </a:fld>
             <a:endParaRPr lang="fr-FR"/>
           </a:p>
@@ -1052,7 +1052,7 @@
           <a:p>
             <a:fld id="{4E650DCA-8FA3-4E11-9C14-92F8C62278D3}" type="datetimeFigureOut">
               <a:rPr lang="fr-FR" smtClean="0"/>
-              <a:t>09/01/2019</a:t>
+              <a:t>15/01/2019</a:t>
             </a:fld>
             <a:endParaRPr lang="fr-FR"/>
           </a:p>
@@ -1393,7 +1393,7 @@
           <a:p>
             <a:fld id="{4E650DCA-8FA3-4E11-9C14-92F8C62278D3}" type="datetimeFigureOut">
               <a:rPr lang="fr-FR" smtClean="0"/>
-              <a:t>09/01/2019</a:t>
+              <a:t>15/01/2019</a:t>
             </a:fld>
             <a:endParaRPr lang="fr-FR"/>
           </a:p>
@@ -2016,7 +2016,7 @@
           <a:p>
             <a:fld id="{4E650DCA-8FA3-4E11-9C14-92F8C62278D3}" type="datetimeFigureOut">
               <a:rPr lang="fr-FR" smtClean="0"/>
-              <a:t>09/01/2019</a:t>
+              <a:t>15/01/2019</a:t>
             </a:fld>
             <a:endParaRPr lang="fr-FR"/>
           </a:p>
@@ -2876,7 +2876,7 @@
           <a:p>
             <a:fld id="{4E650DCA-8FA3-4E11-9C14-92F8C62278D3}" type="datetimeFigureOut">
               <a:rPr lang="fr-FR" smtClean="0"/>
-              <a:t>09/01/2019</a:t>
+              <a:t>15/01/2019</a:t>
             </a:fld>
             <a:endParaRPr lang="fr-FR"/>
           </a:p>
@@ -3046,7 +3046,7 @@
           <a:p>
             <a:fld id="{4E650DCA-8FA3-4E11-9C14-92F8C62278D3}" type="datetimeFigureOut">
               <a:rPr lang="fr-FR" smtClean="0"/>
-              <a:t>09/01/2019</a:t>
+              <a:t>15/01/2019</a:t>
             </a:fld>
             <a:endParaRPr lang="fr-FR"/>
           </a:p>
@@ -3226,7 +3226,7 @@
           <a:p>
             <a:fld id="{4E650DCA-8FA3-4E11-9C14-92F8C62278D3}" type="datetimeFigureOut">
               <a:rPr lang="fr-FR" smtClean="0"/>
-              <a:t>09/01/2019</a:t>
+              <a:t>15/01/2019</a:t>
             </a:fld>
             <a:endParaRPr lang="fr-FR"/>
           </a:p>
@@ -3396,7 +3396,7 @@
           <a:p>
             <a:fld id="{4E650DCA-8FA3-4E11-9C14-92F8C62278D3}" type="datetimeFigureOut">
               <a:rPr lang="fr-FR" smtClean="0"/>
-              <a:t>09/01/2019</a:t>
+              <a:t>15/01/2019</a:t>
             </a:fld>
             <a:endParaRPr lang="fr-FR"/>
           </a:p>
@@ -3643,7 +3643,7 @@
           <a:p>
             <a:fld id="{4E650DCA-8FA3-4E11-9C14-92F8C62278D3}" type="datetimeFigureOut">
               <a:rPr lang="fr-FR" smtClean="0"/>
-              <a:t>09/01/2019</a:t>
+              <a:t>15/01/2019</a:t>
             </a:fld>
             <a:endParaRPr lang="fr-FR"/>
           </a:p>
@@ -3935,7 +3935,7 @@
           <a:p>
             <a:fld id="{4E650DCA-8FA3-4E11-9C14-92F8C62278D3}" type="datetimeFigureOut">
               <a:rPr lang="fr-FR" smtClean="0"/>
-              <a:t>09/01/2019</a:t>
+              <a:t>15/01/2019</a:t>
             </a:fld>
             <a:endParaRPr lang="fr-FR"/>
           </a:p>
@@ -4384,7 +4384,7 @@
           <a:p>
             <a:fld id="{4E650DCA-8FA3-4E11-9C14-92F8C62278D3}" type="datetimeFigureOut">
               <a:rPr lang="fr-FR" smtClean="0"/>
-              <a:t>09/01/2019</a:t>
+              <a:t>15/01/2019</a:t>
             </a:fld>
             <a:endParaRPr lang="fr-FR"/>
           </a:p>
@@ -4507,7 +4507,7 @@
           <a:p>
             <a:fld id="{4E650DCA-8FA3-4E11-9C14-92F8C62278D3}" type="datetimeFigureOut">
               <a:rPr lang="fr-FR" smtClean="0"/>
-              <a:t>09/01/2019</a:t>
+              <a:t>15/01/2019</a:t>
             </a:fld>
             <a:endParaRPr lang="fr-FR"/>
           </a:p>
@@ -4602,7 +4602,7 @@
           <a:p>
             <a:fld id="{4E650DCA-8FA3-4E11-9C14-92F8C62278D3}" type="datetimeFigureOut">
               <a:rPr lang="fr-FR" smtClean="0"/>
-              <a:t>09/01/2019</a:t>
+              <a:t>15/01/2019</a:t>
             </a:fld>
             <a:endParaRPr lang="fr-FR"/>
           </a:p>
@@ -4881,7 +4881,7 @@
           <a:p>
             <a:fld id="{4E650DCA-8FA3-4E11-9C14-92F8C62278D3}" type="datetimeFigureOut">
               <a:rPr lang="fr-FR" smtClean="0"/>
-              <a:t>09/01/2019</a:t>
+              <a:t>15/01/2019</a:t>
             </a:fld>
             <a:endParaRPr lang="fr-FR"/>
           </a:p>
@@ -5161,7 +5161,7 @@
           <a:p>
             <a:fld id="{4E650DCA-8FA3-4E11-9C14-92F8C62278D3}" type="datetimeFigureOut">
               <a:rPr lang="fr-FR" smtClean="0"/>
-              <a:t>09/01/2019</a:t>
+              <a:t>15/01/2019</a:t>
             </a:fld>
             <a:endParaRPr lang="fr-FR"/>
           </a:p>
@@ -5590,7 +5590,7 @@
           <a:p>
             <a:fld id="{4E650DCA-8FA3-4E11-9C14-92F8C62278D3}" type="datetimeFigureOut">
               <a:rPr lang="fr-FR" smtClean="0"/>
-              <a:t>09/01/2019</a:t>
+              <a:t>15/01/2019</a:t>
             </a:fld>
             <a:endParaRPr lang="fr-FR"/>
           </a:p>
@@ -6147,11 +6147,7 @@
           <a:p>
             <a:r>
               <a:rPr lang="fr-FR" sz="4000" b="1" dirty="0" smtClean="0"/>
-              <a:t>Aidez à </a:t>
-            </a:r>
-            <a:r>
-              <a:rPr lang="fr-FR" sz="4000" b="1" dirty="0" smtClean="0"/>
-              <a:t>Mac </a:t>
+              <a:t>Aidez à Mac </a:t>
             </a:r>
             <a:r>
               <a:rPr lang="fr-FR" sz="4000" b="1" dirty="0" err="1" smtClean="0"/>
@@ -6159,11 +6155,7 @@
             </a:r>
             <a:r>
               <a:rPr lang="fr-FR" sz="4000" b="1" dirty="0" smtClean="0"/>
-              <a:t> </a:t>
-            </a:r>
-            <a:r>
-              <a:rPr lang="fr-FR" sz="4000" b="1" dirty="0" smtClean="0"/>
-              <a:t>à s’échapper!!!</a:t>
+              <a:t> à s’échapper!!!</a:t>
             </a:r>
             <a:endParaRPr lang="fr-FR" sz="4000" b="1" dirty="0"/>
           </a:p>
@@ -6869,11 +6861,7 @@
             </a:r>
             <a:r>
               <a:rPr lang="fr-FR" dirty="0" smtClean="0"/>
-              <a:t> </a:t>
-            </a:r>
-            <a:r>
-              <a:rPr lang="fr-FR" dirty="0" smtClean="0"/>
-              <a:t>est un héro du jeu qui doit récupérer </a:t>
+              <a:t> est un héro du jeu qui doit récupérer </a:t>
             </a:r>
             <a:r>
               <a:rPr lang="fr-FR" dirty="0"/>
@@ -7150,11 +7138,7 @@
           <a:p>
             <a:r>
               <a:rPr lang="fr-FR" dirty="0" smtClean="0"/>
-              <a:t>Personnages (</a:t>
-            </a:r>
-            <a:r>
-              <a:rPr lang="fr-FR" dirty="0" smtClean="0"/>
-              <a:t>Mac </a:t>
+              <a:t>Personnages (Mac </a:t>
             </a:r>
             <a:r>
               <a:rPr lang="fr-FR" dirty="0" err="1" smtClean="0"/>
@@ -7162,11 +7146,7 @@
             </a:r>
             <a:r>
               <a:rPr lang="fr-FR" dirty="0" smtClean="0"/>
-              <a:t> </a:t>
-            </a:r>
-            <a:r>
-              <a:rPr lang="fr-FR" dirty="0" smtClean="0"/>
-              <a:t>+ Gardien ) </a:t>
+              <a:t> + Gardien ) </a:t>
             </a:r>
           </a:p>
           <a:p>
@@ -7477,11 +7457,7 @@
             </a:r>
             <a:r>
               <a:rPr lang="fr-FR" dirty="0" smtClean="0"/>
-              <a:t> </a:t>
-            </a:r>
-            <a:r>
-              <a:rPr lang="fr-FR" dirty="0" smtClean="0"/>
-              <a:t>– Gestion des déplacements</a:t>
+              <a:t> – Gestion des déplacements</a:t>
             </a:r>
             <a:endParaRPr lang="fr-FR" dirty="0"/>
           </a:p>
@@ -7512,11 +7488,7 @@
             </a:r>
             <a:r>
               <a:rPr lang="fr-FR" dirty="0" smtClean="0"/>
-              <a:t> </a:t>
-            </a:r>
-            <a:r>
-              <a:rPr lang="fr-FR" dirty="0" smtClean="0"/>
-              <a:t>est un objet de class Person.</a:t>
+              <a:t> est un objet de class Person.</a:t>
             </a:r>
           </a:p>
           <a:p>
@@ -7549,11 +7521,7 @@
             </a:r>
             <a:r>
               <a:rPr lang="fr-FR" dirty="0" smtClean="0"/>
-              <a:t> </a:t>
-            </a:r>
-            <a:r>
-              <a:rPr lang="fr-FR" dirty="0" smtClean="0"/>
-              <a:t>ne peut pas traverser les murs du jeu.</a:t>
+              <a:t> ne peut pas traverser les murs du jeu.</a:t>
             </a:r>
           </a:p>
           <a:p>
@@ -7649,11 +7617,7 @@
             </a:r>
             <a:r>
               <a:rPr lang="fr-FR" dirty="0" smtClean="0"/>
-              <a:t> </a:t>
-            </a:r>
-            <a:r>
-              <a:rPr lang="fr-FR" dirty="0" smtClean="0"/>
-              <a:t>est placé au début de labyrinthe</a:t>
+              <a:t> est placé au début de labyrinthe</a:t>
             </a:r>
           </a:p>
           <a:p>
@@ -7968,14 +7932,26 @@
           </a:p>
           <a:p>
             <a:r>
+              <a:rPr lang="fr-FR" dirty="0"/>
+              <a:t>m</a:t>
+            </a:r>
+            <a:r>
               <a:rPr lang="fr-FR" dirty="0" smtClean="0"/>
-              <a:t>0 – Mur</a:t>
-            </a:r>
-          </a:p>
-          <a:p>
+              <a:t> </a:t>
+            </a:r>
             <a:r>
               <a:rPr lang="fr-FR" dirty="0" smtClean="0"/>
-              <a:t>1 – Sol</a:t>
+              <a:t>– Mur</a:t>
+            </a:r>
+          </a:p>
+          <a:p>
+            <a:r>
+              <a:rPr lang="fr-FR" dirty="0"/>
+              <a:t>0</a:t>
+            </a:r>
+            <a:r>
+              <a:rPr lang="fr-FR" dirty="0" smtClean="0"/>
+              <a:t> – Sol</a:t>
             </a:r>
           </a:p>
           <a:p>

--- a/Aidez à Mac Gyver à s’échapper!!!.pptx
+++ b/Aidez à Mac Gyver à s’échapper!!!.pptx
@@ -310,7 +310,7 @@
           <a:p>
             <a:fld id="{4E650DCA-8FA3-4E11-9C14-92F8C62278D3}" type="datetimeFigureOut">
               <a:rPr lang="fr-FR" smtClean="0"/>
-              <a:t>15/01/2019</a:t>
+              <a:t>17/01/2019</a:t>
             </a:fld>
             <a:endParaRPr lang="fr-FR"/>
           </a:p>
@@ -585,7 +585,7 @@
           <a:p>
             <a:fld id="{4E650DCA-8FA3-4E11-9C14-92F8C62278D3}" type="datetimeFigureOut">
               <a:rPr lang="fr-FR" smtClean="0"/>
-              <a:t>15/01/2019</a:t>
+              <a:t>17/01/2019</a:t>
             </a:fld>
             <a:endParaRPr lang="fr-FR"/>
           </a:p>
@@ -779,7 +779,7 @@
           <a:p>
             <a:fld id="{4E650DCA-8FA3-4E11-9C14-92F8C62278D3}" type="datetimeFigureOut">
               <a:rPr lang="fr-FR" smtClean="0"/>
-              <a:t>15/01/2019</a:t>
+              <a:t>17/01/2019</a:t>
             </a:fld>
             <a:endParaRPr lang="fr-FR"/>
           </a:p>
@@ -1052,7 +1052,7 @@
           <a:p>
             <a:fld id="{4E650DCA-8FA3-4E11-9C14-92F8C62278D3}" type="datetimeFigureOut">
               <a:rPr lang="fr-FR" smtClean="0"/>
-              <a:t>15/01/2019</a:t>
+              <a:t>17/01/2019</a:t>
             </a:fld>
             <a:endParaRPr lang="fr-FR"/>
           </a:p>
@@ -1393,7 +1393,7 @@
           <a:p>
             <a:fld id="{4E650DCA-8FA3-4E11-9C14-92F8C62278D3}" type="datetimeFigureOut">
               <a:rPr lang="fr-FR" smtClean="0"/>
-              <a:t>15/01/2019</a:t>
+              <a:t>17/01/2019</a:t>
             </a:fld>
             <a:endParaRPr lang="fr-FR"/>
           </a:p>
@@ -2016,7 +2016,7 @@
           <a:p>
             <a:fld id="{4E650DCA-8FA3-4E11-9C14-92F8C62278D3}" type="datetimeFigureOut">
               <a:rPr lang="fr-FR" smtClean="0"/>
-              <a:t>15/01/2019</a:t>
+              <a:t>17/01/2019</a:t>
             </a:fld>
             <a:endParaRPr lang="fr-FR"/>
           </a:p>
@@ -2876,7 +2876,7 @@
           <a:p>
             <a:fld id="{4E650DCA-8FA3-4E11-9C14-92F8C62278D3}" type="datetimeFigureOut">
               <a:rPr lang="fr-FR" smtClean="0"/>
-              <a:t>15/01/2019</a:t>
+              <a:t>17/01/2019</a:t>
             </a:fld>
             <a:endParaRPr lang="fr-FR"/>
           </a:p>
@@ -3046,7 +3046,7 @@
           <a:p>
             <a:fld id="{4E650DCA-8FA3-4E11-9C14-92F8C62278D3}" type="datetimeFigureOut">
               <a:rPr lang="fr-FR" smtClean="0"/>
-              <a:t>15/01/2019</a:t>
+              <a:t>17/01/2019</a:t>
             </a:fld>
             <a:endParaRPr lang="fr-FR"/>
           </a:p>
@@ -3226,7 +3226,7 @@
           <a:p>
             <a:fld id="{4E650DCA-8FA3-4E11-9C14-92F8C62278D3}" type="datetimeFigureOut">
               <a:rPr lang="fr-FR" smtClean="0"/>
-              <a:t>15/01/2019</a:t>
+              <a:t>17/01/2019</a:t>
             </a:fld>
             <a:endParaRPr lang="fr-FR"/>
           </a:p>
@@ -3396,7 +3396,7 @@
           <a:p>
             <a:fld id="{4E650DCA-8FA3-4E11-9C14-92F8C62278D3}" type="datetimeFigureOut">
               <a:rPr lang="fr-FR" smtClean="0"/>
-              <a:t>15/01/2019</a:t>
+              <a:t>17/01/2019</a:t>
             </a:fld>
             <a:endParaRPr lang="fr-FR"/>
           </a:p>
@@ -3643,7 +3643,7 @@
           <a:p>
             <a:fld id="{4E650DCA-8FA3-4E11-9C14-92F8C62278D3}" type="datetimeFigureOut">
               <a:rPr lang="fr-FR" smtClean="0"/>
-              <a:t>15/01/2019</a:t>
+              <a:t>17/01/2019</a:t>
             </a:fld>
             <a:endParaRPr lang="fr-FR"/>
           </a:p>
@@ -3935,7 +3935,7 @@
           <a:p>
             <a:fld id="{4E650DCA-8FA3-4E11-9C14-92F8C62278D3}" type="datetimeFigureOut">
               <a:rPr lang="fr-FR" smtClean="0"/>
-              <a:t>15/01/2019</a:t>
+              <a:t>17/01/2019</a:t>
             </a:fld>
             <a:endParaRPr lang="fr-FR"/>
           </a:p>
@@ -4384,7 +4384,7 @@
           <a:p>
             <a:fld id="{4E650DCA-8FA3-4E11-9C14-92F8C62278D3}" type="datetimeFigureOut">
               <a:rPr lang="fr-FR" smtClean="0"/>
-              <a:t>15/01/2019</a:t>
+              <a:t>17/01/2019</a:t>
             </a:fld>
             <a:endParaRPr lang="fr-FR"/>
           </a:p>
@@ -4507,7 +4507,7 @@
           <a:p>
             <a:fld id="{4E650DCA-8FA3-4E11-9C14-92F8C62278D3}" type="datetimeFigureOut">
               <a:rPr lang="fr-FR" smtClean="0"/>
-              <a:t>15/01/2019</a:t>
+              <a:t>17/01/2019</a:t>
             </a:fld>
             <a:endParaRPr lang="fr-FR"/>
           </a:p>
@@ -4602,7 +4602,7 @@
           <a:p>
             <a:fld id="{4E650DCA-8FA3-4E11-9C14-92F8C62278D3}" type="datetimeFigureOut">
               <a:rPr lang="fr-FR" smtClean="0"/>
-              <a:t>15/01/2019</a:t>
+              <a:t>17/01/2019</a:t>
             </a:fld>
             <a:endParaRPr lang="fr-FR"/>
           </a:p>
@@ -4881,7 +4881,7 @@
           <a:p>
             <a:fld id="{4E650DCA-8FA3-4E11-9C14-92F8C62278D3}" type="datetimeFigureOut">
               <a:rPr lang="fr-FR" smtClean="0"/>
-              <a:t>15/01/2019</a:t>
+              <a:t>17/01/2019</a:t>
             </a:fld>
             <a:endParaRPr lang="fr-FR"/>
           </a:p>
@@ -5161,7 +5161,7 @@
           <a:p>
             <a:fld id="{4E650DCA-8FA3-4E11-9C14-92F8C62278D3}" type="datetimeFigureOut">
               <a:rPr lang="fr-FR" smtClean="0"/>
-              <a:t>15/01/2019</a:t>
+              <a:t>17/01/2019</a:t>
             </a:fld>
             <a:endParaRPr lang="fr-FR"/>
           </a:p>
@@ -5590,7 +5590,7 @@
           <a:p>
             <a:fld id="{4E650DCA-8FA3-4E11-9C14-92F8C62278D3}" type="datetimeFigureOut">
               <a:rPr lang="fr-FR" smtClean="0"/>
-              <a:t>15/01/2019</a:t>
+              <a:t>17/01/2019</a:t>
             </a:fld>
             <a:endParaRPr lang="fr-FR"/>
           </a:p>
@@ -7082,7 +7082,7 @@
             <a:pPr algn="ctr"/>
             <a:r>
               <a:rPr lang="fr-FR" dirty="0" smtClean="0"/>
-              <a:t>LES OBJET DU JEU</a:t>
+              <a:t>Les objet du jeu</a:t>
             </a:r>
             <a:endParaRPr lang="fr-FR" dirty="0"/>
           </a:p>
@@ -7728,15 +7728,19 @@
           <a:p>
             <a:r>
               <a:rPr lang="fr-FR" dirty="0" smtClean="0"/>
-              <a:t>Avoir les trois objets (</a:t>
-            </a:r>
-            <a:r>
-              <a:rPr lang="fr-FR" dirty="0" err="1" smtClean="0"/>
-              <a:t>ether</a:t>
+              <a:t>Avoir les trois </a:t>
+            </a:r>
+            <a:r>
+              <a:rPr lang="fr-FR" smtClean="0"/>
+              <a:t>objets </a:t>
+            </a:r>
+            <a:r>
+              <a:rPr lang="fr-FR" smtClean="0"/>
+              <a:t>(éther, </a:t>
             </a:r>
             <a:r>
               <a:rPr lang="fr-FR" dirty="0" smtClean="0"/>
-              <a:t>, tube et aiguille)</a:t>
+              <a:t>tube et aiguille)</a:t>
             </a:r>
           </a:p>
           <a:p>
@@ -7790,49 +7794,30 @@
       </p:sp>
       <p:sp>
         <p:nvSpPr>
-          <p:cNvPr id="5" name="Title 1"/>
-          <p:cNvSpPr txBox="1">
-            <a:spLocks/>
-          </p:cNvSpPr>
+          <p:cNvPr id="6" name="TextBox 5"/>
+          <p:cNvSpPr txBox="1"/>
           <p:nvPr/>
         </p:nvSpPr>
         <p:spPr>
           <a:xfrm>
-            <a:off x="669561" y="2728002"/>
-            <a:ext cx="10515600" cy="862426"/>
+            <a:off x="4530436" y="2917767"/>
+            <a:ext cx="3092335" cy="738664"/>
           </a:xfrm>
           <a:prstGeom prst="rect">
             <a:avLst/>
           </a:prstGeom>
-        </p:spPr>
-        <p:txBody>
-          <a:bodyPr vert="horz" lIns="91440" tIns="45720" rIns="91440" bIns="45720" rtlCol="0" anchor="t">
-            <a:normAutofit/>
+          <a:noFill/>
+        </p:spPr>
+        <p:txBody>
+          <a:bodyPr wrap="square" rtlCol="0">
+            <a:spAutoFit/>
           </a:bodyPr>
-          <a:lstStyle>
-            <a:lvl1pPr algn="l" defTabSz="914400" rtl="0" eaLnBrk="1" latinLnBrk="0" hangingPunct="1">
-              <a:lnSpc>
-                <a:spcPct val="90000"/>
-              </a:lnSpc>
-              <a:spcBef>
-                <a:spcPct val="0"/>
-              </a:spcBef>
-              <a:buNone/>
-              <a:defRPr sz="5100" kern="1200" cap="all" spc="200" baseline="0">
-                <a:solidFill>
-                  <a:schemeClr val="tx2"/>
-                </a:solidFill>
-                <a:latin typeface="+mj-lt"/>
-                <a:ea typeface="+mj-ea"/>
-                <a:cs typeface="+mj-cs"/>
-              </a:defRPr>
-            </a:lvl1pPr>
-          </a:lstStyle>
+          <a:lstStyle/>
           <a:p>
             <a:pPr algn="ctr"/>
             <a:r>
               <a:rPr lang="fr-FR" sz="4200" dirty="0" smtClean="0"/>
-              <a:t>Perte le jeu </a:t>
+              <a:t>Perte le jeu</a:t>
             </a:r>
             <a:endParaRPr lang="fr-FR" sz="4200" dirty="0"/>
           </a:p>
@@ -7925,24 +7910,14 @@
           </a:p>
           <a:p>
             <a:r>
+              <a:rPr lang="fr-FR" dirty="0"/>
+              <a:t>d</a:t>
+            </a:r>
+            <a:r>
               <a:rPr lang="fr-FR" dirty="0" smtClean="0"/>
-              <a:t>D – départ</a:t>
+              <a:t> – départ</a:t>
             </a:r>
             <a:endParaRPr lang="fr-FR" dirty="0"/>
-          </a:p>
-          <a:p>
-            <a:r>
-              <a:rPr lang="fr-FR" dirty="0"/>
-              <a:t>m</a:t>
-            </a:r>
-            <a:r>
-              <a:rPr lang="fr-FR" dirty="0" smtClean="0"/>
-              <a:t> </a:t>
-            </a:r>
-            <a:r>
-              <a:rPr lang="fr-FR" dirty="0" smtClean="0"/>
-              <a:t>– Mur</a:t>
-            </a:r>
           </a:p>
           <a:p>
             <a:r>
@@ -7951,7 +7926,17 @@
             </a:r>
             <a:r>
               <a:rPr lang="fr-FR" dirty="0" smtClean="0"/>
-              <a:t> – Sol</a:t>
+              <a:t> – sol</a:t>
+            </a:r>
+          </a:p>
+          <a:p>
+            <a:r>
+              <a:rPr lang="fr-FR" smtClean="0"/>
+              <a:t>m </a:t>
+            </a:r>
+            <a:r>
+              <a:rPr lang="fr-FR" dirty="0" smtClean="0"/>
+              <a:t>– mur</a:t>
             </a:r>
           </a:p>
           <a:p>
@@ -8035,7 +8020,11 @@
             <a:pPr algn="ctr"/>
             <a:r>
               <a:rPr lang="fr-FR" dirty="0" smtClean="0"/>
-              <a:t>LA LOGIQUE du code</a:t>
+              <a:t>La logique </a:t>
+            </a:r>
+            <a:r>
+              <a:rPr lang="fr-FR" dirty="0" smtClean="0"/>
+              <a:t>du code</a:t>
             </a:r>
             <a:endParaRPr lang="fr-FR" dirty="0"/>
           </a:p>
